--- a/backend/uploads/Automated_Presentation_Tool_Phase1.pptx
+++ b/backend/uploads/Automated_Presentation_Tool_Phase1.pptx
@@ -7,10 +7,9 @@
   <p:sldIdLst>
     <p:sldId id="256" r:id="rId2"/>
     <p:sldId id="258" r:id="rId3"/>
-    <p:sldId id="257" r:id="rId4"/>
-    <p:sldId id="260" r:id="rId5"/>
-    <p:sldId id="261" r:id="rId6"/>
-    <p:sldId id="262" r:id="rId7"/>
+    <p:sldId id="260" r:id="rId4"/>
+    <p:sldId id="261" r:id="rId5"/>
+    <p:sldId id="262" r:id="rId6"/>
   </p:sldIdLst>
   <p:sldSz cx="9144000" cy="6858000" type="screen4x3"/>
   <p:notesSz cx="6858000" cy="9144000"/>
@@ -126,6 +125,57 @@
     </p:ext>
   </p:extLst>
 </p:presentation>
+</file>
+
+<file path=ppt/changesInfos/changesInfo1.xml><?xml version="1.0" encoding="utf-8"?>
+<pc:chgInfo xmlns:a="http://schemas.openxmlformats.org/drawingml/2006/main" xmlns:r="http://schemas.openxmlformats.org/officeDocument/2006/relationships" xmlns:ac="http://schemas.microsoft.com/office/drawing/2013/main/command" xmlns:pc="http://schemas.microsoft.com/office/powerpoint/2013/main/command">
+  <pc:docChgLst>
+    <pc:chgData name="Aziza Guellouz" userId="0b3a491e804b3d75" providerId="LiveId" clId="{24C8745C-46C0-4A7C-8CA3-312841A0BA4C}"/>
+    <pc:docChg chg="delSld modSld">
+      <pc:chgData name="Aziza Guellouz" userId="0b3a491e804b3d75" providerId="LiveId" clId="{24C8745C-46C0-4A7C-8CA3-312841A0BA4C}" dt="2025-01-20T20:27:09.844" v="8" actId="20577"/>
+      <pc:docMkLst>
+        <pc:docMk/>
+      </pc:docMkLst>
+      <pc:sldChg chg="modSp mod">
+        <pc:chgData name="Aziza Guellouz" userId="0b3a491e804b3d75" providerId="LiveId" clId="{24C8745C-46C0-4A7C-8CA3-312841A0BA4C}" dt="2025-01-20T20:27:09.844" v="8" actId="20577"/>
+        <pc:sldMkLst>
+          <pc:docMk/>
+          <pc:sldMk cId="0" sldId="256"/>
+        </pc:sldMkLst>
+        <pc:spChg chg="mod">
+          <ac:chgData name="Aziza Guellouz" userId="0b3a491e804b3d75" providerId="LiveId" clId="{24C8745C-46C0-4A7C-8CA3-312841A0BA4C}" dt="2025-01-20T20:27:09.844" v="8" actId="20577"/>
+          <ac:spMkLst>
+            <pc:docMk/>
+            <pc:sldMk cId="0" sldId="256"/>
+            <ac:spMk id="3" creationId="{00000000-0000-0000-0000-000000000000}"/>
+          </ac:spMkLst>
+        </pc:spChg>
+      </pc:sldChg>
+      <pc:sldChg chg="del">
+        <pc:chgData name="Aziza Guellouz" userId="0b3a491e804b3d75" providerId="LiveId" clId="{24C8745C-46C0-4A7C-8CA3-312841A0BA4C}" dt="2025-01-20T20:27:02.582" v="4" actId="47"/>
+        <pc:sldMkLst>
+          <pc:docMk/>
+          <pc:sldMk cId="0" sldId="257"/>
+        </pc:sldMkLst>
+      </pc:sldChg>
+      <pc:sldChg chg="modSp mod">
+        <pc:chgData name="Aziza Guellouz" userId="0b3a491e804b3d75" providerId="LiveId" clId="{24C8745C-46C0-4A7C-8CA3-312841A0BA4C}" dt="2025-01-20T20:24:41.655" v="3" actId="5793"/>
+        <pc:sldMkLst>
+          <pc:docMk/>
+          <pc:sldMk cId="0" sldId="261"/>
+        </pc:sldMkLst>
+        <pc:spChg chg="mod">
+          <ac:chgData name="Aziza Guellouz" userId="0b3a491e804b3d75" providerId="LiveId" clId="{24C8745C-46C0-4A7C-8CA3-312841A0BA4C}" dt="2025-01-20T20:24:41.655" v="3" actId="5793"/>
+          <ac:spMkLst>
+            <pc:docMk/>
+            <pc:sldMk cId="0" sldId="261"/>
+            <ac:spMk id="3" creationId="{00000000-0000-0000-0000-000000000000}"/>
+          </ac:spMkLst>
+        </pc:spChg>
+      </pc:sldChg>
+    </pc:docChg>
+  </pc:docChgLst>
+</pc:chgInfo>
 </file>
 
 <file path=ppt/slideLayouts/slideLayout1.xml><?xml version="1.0" encoding="utf-8"?>
@@ -7700,7 +7750,16 @@
           <a:lstStyle/>
           <a:p>
             <a:r>
-              <a:t>Progress, Tools, and Next Steps</a:t>
+              <a:rPr dirty="0"/>
+              <a:t>Progress</a:t>
+            </a:r>
+            <a:r>
+              <a:rPr lang="fr-FR" dirty="0"/>
+              <a:t> </a:t>
+            </a:r>
+            <a:r>
+              <a:rPr dirty="0"/>
+              <a:t>and Next Steps</a:t>
             </a:r>
           </a:p>
         </p:txBody>
@@ -7867,27 +7926,26 @@
             <p:ph type="title"/>
           </p:nvPr>
         </p:nvSpPr>
-        <p:spPr/>
+        <p:spPr>
+          <a:xfrm>
+            <a:off x="1371599" y="624110"/>
+            <a:ext cx="7162802" cy="1280890"/>
+          </a:xfrm>
+        </p:spPr>
         <p:txBody>
           <a:bodyPr/>
           <a:lstStyle/>
           <a:p>
             <a:r>
               <a:rPr dirty="0"/>
-              <a:t>Tools Used in Development</a:t>
-            </a:r>
-          </a:p>
-        </p:txBody>
-      </p:sp>
-      <p:sp>
-        <p:nvSpPr>
-          <p:cNvPr id="4" name="Espace réservé du contenu 3">
-            <a:extLst>
-              <a:ext uri="{FF2B5EF4-FFF2-40B4-BE49-F238E27FC236}">
-                <a16:creationId xmlns:a16="http://schemas.microsoft.com/office/drawing/2014/main" id="{63694EC3-910A-A90B-B4FB-A2488F298D9F}"/>
-              </a:ext>
-            </a:extLst>
-          </p:cNvPr>
+              <a:t>Phase 2: Generating Speech for Presentations</a:t>
+            </a:r>
+          </a:p>
+        </p:txBody>
+      </p:sp>
+      <p:sp>
+        <p:nvSpPr>
+          <p:cNvPr id="3" name="Content Placeholder 2"/>
           <p:cNvSpPr>
             <a:spLocks noGrp="1"/>
           </p:cNvSpPr>
@@ -7897,8 +7955,8 @@
         </p:nvSpPr>
         <p:spPr>
           <a:xfrm>
-            <a:off x="934065" y="1905000"/>
-            <a:ext cx="7905136" cy="4050891"/>
+            <a:off x="1371598" y="2246669"/>
+            <a:ext cx="6828505" cy="1863215"/>
           </a:xfrm>
         </p:spPr>
         <p:txBody>
@@ -7911,649 +7969,52 @@
               <a:buNone/>
             </a:pPr>
             <a:r>
-              <a:rPr lang="de-DE" sz="1500" b="1" dirty="0">
+              <a:rPr sz="1500" dirty="0">
                 <a:solidFill>
                   <a:schemeClr val="tx1"/>
                 </a:solidFill>
               </a:rPr>
-              <a:t>1. Core Libraries</a:t>
-            </a:r>
-            <a:endParaRPr lang="de-DE" sz="1500" dirty="0">
-              <a:solidFill>
-                <a:schemeClr val="tx1"/>
-              </a:solidFill>
-            </a:endParaRPr>
+              <a:t>- Approach:</a:t>
+            </a:r>
           </a:p>
           <a:p>
             <a:pPr marL="0" indent="0">
               <a:buNone/>
             </a:pPr>
             <a:r>
-              <a:rPr lang="de-DE" sz="1500" b="1" dirty="0">
+              <a:rPr sz="1500" dirty="0">
                 <a:solidFill>
                   <a:schemeClr val="tx1"/>
                 </a:solidFill>
               </a:rPr>
-              <a:t>Python-</a:t>
-            </a:r>
-            <a:r>
-              <a:rPr lang="de-DE" sz="1500" b="1" dirty="0" err="1">
+              <a:t>  - Use web scraping to gather relevant content.</a:t>
+            </a:r>
+          </a:p>
+          <a:p>
+            <a:pPr marL="0" indent="0">
+              <a:buNone/>
+            </a:pPr>
+            <a:r>
+              <a:rPr sz="1500" dirty="0">
                 <a:solidFill>
                   <a:schemeClr val="tx1"/>
                 </a:solidFill>
               </a:rPr>
-              <a:t>pptx</a:t>
-            </a:r>
-            <a:r>
-              <a:rPr lang="de-DE" sz="1500" dirty="0">
+              <a:t>  - Implement NLP algorithms to summarize and structure content.</a:t>
+            </a:r>
+          </a:p>
+          <a:p>
+            <a:pPr marL="0" indent="0">
+              <a:buNone/>
+            </a:pPr>
+            <a:r>
+              <a:rPr sz="1500" dirty="0">
                 <a:solidFill>
                   <a:schemeClr val="tx1"/>
                 </a:solidFill>
               </a:rPr>
-              <a:t>: </a:t>
-            </a:r>
-            <a:r>
-              <a:rPr lang="de-DE" sz="1500" dirty="0" err="1">
-                <a:solidFill>
-                  <a:schemeClr val="tx1"/>
-                </a:solidFill>
-              </a:rPr>
-              <a:t>For</a:t>
-            </a:r>
-            <a:r>
-              <a:rPr lang="de-DE" sz="1500" dirty="0">
-                <a:solidFill>
-                  <a:schemeClr val="tx1"/>
-                </a:solidFill>
-              </a:rPr>
-              <a:t> </a:t>
-            </a:r>
-            <a:r>
-              <a:rPr lang="de-DE" sz="1500" dirty="0" err="1">
-                <a:solidFill>
-                  <a:schemeClr val="tx1"/>
-                </a:solidFill>
-              </a:rPr>
-              <a:t>handling</a:t>
-            </a:r>
-            <a:r>
-              <a:rPr lang="de-DE" sz="1500" dirty="0">
-                <a:solidFill>
-                  <a:schemeClr val="tx1"/>
-                </a:solidFill>
-              </a:rPr>
-              <a:t> and </a:t>
-            </a:r>
-            <a:r>
-              <a:rPr lang="de-DE" sz="1500" dirty="0" err="1">
-                <a:solidFill>
-                  <a:schemeClr val="tx1"/>
-                </a:solidFill>
-              </a:rPr>
-              <a:t>manipulating</a:t>
-            </a:r>
-            <a:r>
-              <a:rPr lang="de-DE" sz="1500" dirty="0">
-                <a:solidFill>
-                  <a:schemeClr val="tx1"/>
-                </a:solidFill>
-              </a:rPr>
-              <a:t> PowerPoint </a:t>
-            </a:r>
-            <a:r>
-              <a:rPr lang="de-DE" sz="1500" dirty="0" err="1">
-                <a:solidFill>
-                  <a:schemeClr val="tx1"/>
-                </a:solidFill>
-              </a:rPr>
-              <a:t>files</a:t>
-            </a:r>
-            <a:r>
-              <a:rPr lang="de-DE" sz="1500" dirty="0">
-                <a:solidFill>
-                  <a:schemeClr val="tx1"/>
-                </a:solidFill>
-              </a:rPr>
-              <a:t>.</a:t>
-            </a:r>
-          </a:p>
-          <a:p>
-            <a:pPr marL="0" indent="0">
-              <a:buNone/>
-            </a:pPr>
-            <a:r>
-              <a:rPr lang="de-DE" sz="1500" b="1" dirty="0" err="1">
-                <a:solidFill>
-                  <a:schemeClr val="tx1"/>
-                </a:solidFill>
-              </a:rPr>
-              <a:t>Flask</a:t>
-            </a:r>
-            <a:r>
-              <a:rPr lang="de-DE" sz="1500" dirty="0">
-                <a:solidFill>
-                  <a:schemeClr val="tx1"/>
-                </a:solidFill>
-              </a:rPr>
-              <a:t>: </a:t>
-            </a:r>
-            <a:r>
-              <a:rPr lang="de-DE" sz="1500" dirty="0" err="1">
-                <a:solidFill>
-                  <a:schemeClr val="tx1"/>
-                </a:solidFill>
-              </a:rPr>
-              <a:t>For</a:t>
-            </a:r>
-            <a:r>
-              <a:rPr lang="de-DE" sz="1500" dirty="0">
-                <a:solidFill>
-                  <a:schemeClr val="tx1"/>
-                </a:solidFill>
-              </a:rPr>
-              <a:t> </a:t>
-            </a:r>
-            <a:r>
-              <a:rPr lang="de-DE" sz="1500" dirty="0" err="1">
-                <a:solidFill>
-                  <a:schemeClr val="tx1"/>
-                </a:solidFill>
-              </a:rPr>
-              <a:t>building</a:t>
-            </a:r>
-            <a:r>
-              <a:rPr lang="de-DE" sz="1500" dirty="0">
-                <a:solidFill>
-                  <a:schemeClr val="tx1"/>
-                </a:solidFill>
-              </a:rPr>
-              <a:t> </a:t>
-            </a:r>
-            <a:r>
-              <a:rPr lang="de-DE" sz="1500" dirty="0" err="1">
-                <a:solidFill>
-                  <a:schemeClr val="tx1"/>
-                </a:solidFill>
-              </a:rPr>
-              <a:t>the</a:t>
-            </a:r>
-            <a:r>
-              <a:rPr lang="de-DE" sz="1500" dirty="0">
-                <a:solidFill>
-                  <a:schemeClr val="tx1"/>
-                </a:solidFill>
-              </a:rPr>
-              <a:t> web </a:t>
-            </a:r>
-            <a:r>
-              <a:rPr lang="de-DE" sz="1500" dirty="0" err="1">
-                <a:solidFill>
-                  <a:schemeClr val="tx1"/>
-                </a:solidFill>
-              </a:rPr>
-              <a:t>application</a:t>
-            </a:r>
-            <a:r>
-              <a:rPr lang="de-DE" sz="1500" dirty="0">
-                <a:solidFill>
-                  <a:schemeClr val="tx1"/>
-                </a:solidFill>
-              </a:rPr>
-              <a:t> backend and </a:t>
-            </a:r>
-            <a:r>
-              <a:rPr lang="de-DE" sz="1500" dirty="0" err="1">
-                <a:solidFill>
-                  <a:schemeClr val="tx1"/>
-                </a:solidFill>
-              </a:rPr>
-              <a:t>handling</a:t>
-            </a:r>
-            <a:r>
-              <a:rPr lang="de-DE" sz="1500" dirty="0">
-                <a:solidFill>
-                  <a:schemeClr val="tx1"/>
-                </a:solidFill>
-              </a:rPr>
-              <a:t> </a:t>
-            </a:r>
-            <a:r>
-              <a:rPr lang="de-DE" sz="1500" dirty="0" err="1">
-                <a:solidFill>
-                  <a:schemeClr val="tx1"/>
-                </a:solidFill>
-              </a:rPr>
-              <a:t>user</a:t>
-            </a:r>
-            <a:r>
-              <a:rPr lang="de-DE" sz="1500" dirty="0">
-                <a:solidFill>
-                  <a:schemeClr val="tx1"/>
-                </a:solidFill>
-              </a:rPr>
-              <a:t> </a:t>
-            </a:r>
-            <a:r>
-              <a:rPr lang="de-DE" sz="1500" dirty="0" err="1">
-                <a:solidFill>
-                  <a:schemeClr val="tx1"/>
-                </a:solidFill>
-              </a:rPr>
-              <a:t>interactions</a:t>
-            </a:r>
-            <a:r>
-              <a:rPr lang="de-DE" sz="1500" dirty="0">
-                <a:solidFill>
-                  <a:schemeClr val="tx1"/>
-                </a:solidFill>
-              </a:rPr>
-              <a:t>.</a:t>
-            </a:r>
-          </a:p>
-          <a:p>
-            <a:pPr marL="0" indent="0">
-              <a:buNone/>
-            </a:pPr>
-            <a:r>
-              <a:rPr lang="de-DE" sz="1500" b="1" dirty="0">
-                <a:solidFill>
-                  <a:schemeClr val="tx1"/>
-                </a:solidFill>
-              </a:rPr>
-              <a:t>2. Layout and Content </a:t>
-            </a:r>
-            <a:r>
-              <a:rPr lang="de-DE" sz="1500" b="1" dirty="0" err="1">
-                <a:solidFill>
-                  <a:schemeClr val="tx1"/>
-                </a:solidFill>
-              </a:rPr>
-              <a:t>Extraction</a:t>
-            </a:r>
-            <a:endParaRPr lang="de-DE" sz="1500" dirty="0">
-              <a:solidFill>
-                <a:schemeClr val="tx1"/>
-              </a:solidFill>
-            </a:endParaRPr>
-          </a:p>
-          <a:p>
-            <a:pPr marL="0" indent="0">
-              <a:buNone/>
-            </a:pPr>
-            <a:r>
-              <a:rPr lang="de-DE" sz="1500" b="1" dirty="0" err="1">
-                <a:solidFill>
-                  <a:schemeClr val="tx1"/>
-                </a:solidFill>
-              </a:rPr>
-              <a:t>LayoutParser</a:t>
-            </a:r>
-            <a:r>
-              <a:rPr lang="de-DE" sz="1500" dirty="0">
-                <a:solidFill>
-                  <a:schemeClr val="tx1"/>
-                </a:solidFill>
-              </a:rPr>
-              <a:t>: </a:t>
-            </a:r>
-            <a:r>
-              <a:rPr lang="de-DE" sz="1500" dirty="0" err="1">
-                <a:solidFill>
-                  <a:schemeClr val="tx1"/>
-                </a:solidFill>
-              </a:rPr>
-              <a:t>For</a:t>
-            </a:r>
-            <a:r>
-              <a:rPr lang="de-DE" sz="1500" dirty="0">
-                <a:solidFill>
-                  <a:schemeClr val="tx1"/>
-                </a:solidFill>
-              </a:rPr>
-              <a:t> </a:t>
-            </a:r>
-            <a:r>
-              <a:rPr lang="de-DE" sz="1500" dirty="0" err="1">
-                <a:solidFill>
-                  <a:schemeClr val="tx1"/>
-                </a:solidFill>
-              </a:rPr>
-              <a:t>detecting</a:t>
-            </a:r>
-            <a:r>
-              <a:rPr lang="de-DE" sz="1500" dirty="0">
-                <a:solidFill>
-                  <a:schemeClr val="tx1"/>
-                </a:solidFill>
-              </a:rPr>
-              <a:t> and </a:t>
-            </a:r>
-            <a:r>
-              <a:rPr lang="de-DE" sz="1500" dirty="0" err="1">
-                <a:solidFill>
-                  <a:schemeClr val="tx1"/>
-                </a:solidFill>
-              </a:rPr>
-              <a:t>analyzing</a:t>
-            </a:r>
-            <a:r>
-              <a:rPr lang="de-DE" sz="1500" dirty="0">
-                <a:solidFill>
-                  <a:schemeClr val="tx1"/>
-                </a:solidFill>
-              </a:rPr>
-              <a:t> </a:t>
-            </a:r>
-            <a:r>
-              <a:rPr lang="de-DE" sz="1500" dirty="0" err="1">
-                <a:solidFill>
-                  <a:schemeClr val="tx1"/>
-                </a:solidFill>
-              </a:rPr>
-              <a:t>slide</a:t>
-            </a:r>
-            <a:r>
-              <a:rPr lang="de-DE" sz="1500" dirty="0">
-                <a:solidFill>
-                  <a:schemeClr val="tx1"/>
-                </a:solidFill>
-              </a:rPr>
-              <a:t> </a:t>
-            </a:r>
-            <a:r>
-              <a:rPr lang="de-DE" sz="1500" dirty="0" err="1">
-                <a:solidFill>
-                  <a:schemeClr val="tx1"/>
-                </a:solidFill>
-              </a:rPr>
-              <a:t>layouts</a:t>
-            </a:r>
-            <a:r>
-              <a:rPr lang="de-DE" sz="1500" dirty="0">
-                <a:solidFill>
-                  <a:schemeClr val="tx1"/>
-                </a:solidFill>
-              </a:rPr>
-              <a:t>.</a:t>
-            </a:r>
-          </a:p>
-          <a:p>
-            <a:pPr marL="0" indent="0">
-              <a:buNone/>
-            </a:pPr>
-            <a:r>
-              <a:rPr lang="de-DE" sz="1500" b="1" dirty="0" err="1">
-                <a:solidFill>
-                  <a:schemeClr val="tx1"/>
-                </a:solidFill>
-              </a:rPr>
-              <a:t>PyTesseract</a:t>
-            </a:r>
-            <a:r>
-              <a:rPr lang="de-DE" sz="1500" dirty="0">
-                <a:solidFill>
-                  <a:schemeClr val="tx1"/>
-                </a:solidFill>
-              </a:rPr>
-              <a:t>: </a:t>
-            </a:r>
-            <a:r>
-              <a:rPr lang="de-DE" sz="1500" dirty="0" err="1">
-                <a:solidFill>
-                  <a:schemeClr val="tx1"/>
-                </a:solidFill>
-              </a:rPr>
-              <a:t>For</a:t>
-            </a:r>
-            <a:r>
-              <a:rPr lang="de-DE" sz="1500" dirty="0">
-                <a:solidFill>
-                  <a:schemeClr val="tx1"/>
-                </a:solidFill>
-              </a:rPr>
-              <a:t> Optical Character Recognition (OCR) </a:t>
-            </a:r>
-            <a:r>
-              <a:rPr lang="de-DE" sz="1500" dirty="0" err="1">
-                <a:solidFill>
-                  <a:schemeClr val="tx1"/>
-                </a:solidFill>
-              </a:rPr>
-              <a:t>to</a:t>
-            </a:r>
-            <a:r>
-              <a:rPr lang="de-DE" sz="1500" dirty="0">
-                <a:solidFill>
-                  <a:schemeClr val="tx1"/>
-                </a:solidFill>
-              </a:rPr>
-              <a:t> </a:t>
-            </a:r>
-            <a:r>
-              <a:rPr lang="de-DE" sz="1500" dirty="0" err="1">
-                <a:solidFill>
-                  <a:schemeClr val="tx1"/>
-                </a:solidFill>
-              </a:rPr>
-              <a:t>extract</a:t>
-            </a:r>
-            <a:r>
-              <a:rPr lang="de-DE" sz="1500" dirty="0">
-                <a:solidFill>
-                  <a:schemeClr val="tx1"/>
-                </a:solidFill>
-              </a:rPr>
-              <a:t> </a:t>
-            </a:r>
-            <a:r>
-              <a:rPr lang="de-DE" sz="1500" dirty="0" err="1">
-                <a:solidFill>
-                  <a:schemeClr val="tx1"/>
-                </a:solidFill>
-              </a:rPr>
-              <a:t>text</a:t>
-            </a:r>
-            <a:r>
-              <a:rPr lang="de-DE" sz="1500" dirty="0">
-                <a:solidFill>
-                  <a:schemeClr val="tx1"/>
-                </a:solidFill>
-              </a:rPr>
-              <a:t> </a:t>
-            </a:r>
-            <a:r>
-              <a:rPr lang="de-DE" sz="1500" dirty="0" err="1">
-                <a:solidFill>
-                  <a:schemeClr val="tx1"/>
-                </a:solidFill>
-              </a:rPr>
-              <a:t>from</a:t>
-            </a:r>
-            <a:r>
-              <a:rPr lang="de-DE" sz="1500" dirty="0">
-                <a:solidFill>
-                  <a:schemeClr val="tx1"/>
-                </a:solidFill>
-              </a:rPr>
-              <a:t> </a:t>
-            </a:r>
-            <a:r>
-              <a:rPr lang="de-DE" sz="1500" dirty="0" err="1">
-                <a:solidFill>
-                  <a:schemeClr val="tx1"/>
-                </a:solidFill>
-              </a:rPr>
-              <a:t>images</a:t>
-            </a:r>
-            <a:r>
-              <a:rPr lang="de-DE" sz="1500" dirty="0">
-                <a:solidFill>
-                  <a:schemeClr val="tx1"/>
-                </a:solidFill>
-              </a:rPr>
-              <a:t>.</a:t>
-            </a:r>
-          </a:p>
-          <a:p>
-            <a:pPr marL="0" indent="0">
-              <a:buNone/>
-            </a:pPr>
-            <a:r>
-              <a:rPr lang="de-DE" sz="1500" b="1" dirty="0">
-                <a:solidFill>
-                  <a:schemeClr val="tx1"/>
-                </a:solidFill>
-              </a:rPr>
-              <a:t>3. Text-</a:t>
-            </a:r>
-            <a:r>
-              <a:rPr lang="de-DE" sz="1500" b="1" dirty="0" err="1">
-                <a:solidFill>
-                  <a:schemeClr val="tx1"/>
-                </a:solidFill>
-              </a:rPr>
-              <a:t>to</a:t>
-            </a:r>
-            <a:r>
-              <a:rPr lang="de-DE" sz="1500" b="1" dirty="0">
-                <a:solidFill>
-                  <a:schemeClr val="tx1"/>
-                </a:solidFill>
-              </a:rPr>
-              <a:t>-Speech</a:t>
-            </a:r>
-            <a:endParaRPr lang="de-DE" sz="1500" dirty="0">
-              <a:solidFill>
-                <a:schemeClr val="tx1"/>
-              </a:solidFill>
-            </a:endParaRPr>
-          </a:p>
-          <a:p>
-            <a:pPr marL="0" indent="0">
-              <a:buNone/>
-            </a:pPr>
-            <a:r>
-              <a:rPr lang="de-DE" sz="1500" b="1" dirty="0">
-                <a:solidFill>
-                  <a:schemeClr val="tx1"/>
-                </a:solidFill>
-              </a:rPr>
-              <a:t>pyttsx3</a:t>
-            </a:r>
-            <a:r>
-              <a:rPr lang="de-DE" sz="1500" dirty="0">
-                <a:solidFill>
-                  <a:schemeClr val="tx1"/>
-                </a:solidFill>
-              </a:rPr>
-              <a:t>: </a:t>
-            </a:r>
-            <a:r>
-              <a:rPr lang="de-DE" sz="1500" dirty="0" err="1">
-                <a:solidFill>
-                  <a:schemeClr val="tx1"/>
-                </a:solidFill>
-              </a:rPr>
-              <a:t>For</a:t>
-            </a:r>
-            <a:r>
-              <a:rPr lang="de-DE" sz="1500" dirty="0">
-                <a:solidFill>
-                  <a:schemeClr val="tx1"/>
-                </a:solidFill>
-              </a:rPr>
-              <a:t> </a:t>
-            </a:r>
-            <a:r>
-              <a:rPr lang="de-DE" sz="1500" dirty="0" err="1">
-                <a:solidFill>
-                  <a:schemeClr val="tx1"/>
-                </a:solidFill>
-              </a:rPr>
-              <a:t>generating</a:t>
-            </a:r>
-            <a:r>
-              <a:rPr lang="de-DE" sz="1500" dirty="0">
-                <a:solidFill>
-                  <a:schemeClr val="tx1"/>
-                </a:solidFill>
-              </a:rPr>
-              <a:t> </a:t>
-            </a:r>
-            <a:r>
-              <a:rPr lang="de-DE" sz="1500" dirty="0" err="1">
-                <a:solidFill>
-                  <a:schemeClr val="tx1"/>
-                </a:solidFill>
-              </a:rPr>
-              <a:t>speech</a:t>
-            </a:r>
-            <a:r>
-              <a:rPr lang="de-DE" sz="1500" dirty="0">
-                <a:solidFill>
-                  <a:schemeClr val="tx1"/>
-                </a:solidFill>
-              </a:rPr>
-              <a:t> </a:t>
-            </a:r>
-            <a:r>
-              <a:rPr lang="de-DE" sz="1500" dirty="0" err="1">
-                <a:solidFill>
-                  <a:schemeClr val="tx1"/>
-                </a:solidFill>
-              </a:rPr>
-              <a:t>from</a:t>
-            </a:r>
-            <a:r>
-              <a:rPr lang="de-DE" sz="1500" dirty="0">
-                <a:solidFill>
-                  <a:schemeClr val="tx1"/>
-                </a:solidFill>
-              </a:rPr>
-              <a:t> </a:t>
-            </a:r>
-            <a:r>
-              <a:rPr lang="de-DE" sz="1500" dirty="0" err="1">
-                <a:solidFill>
-                  <a:schemeClr val="tx1"/>
-                </a:solidFill>
-              </a:rPr>
-              <a:t>extracted</a:t>
-            </a:r>
-            <a:r>
-              <a:rPr lang="de-DE" sz="1500" dirty="0">
-                <a:solidFill>
-                  <a:schemeClr val="tx1"/>
-                </a:solidFill>
-              </a:rPr>
-              <a:t> </a:t>
-            </a:r>
-            <a:r>
-              <a:rPr lang="de-DE" sz="1500" dirty="0" err="1">
-                <a:solidFill>
-                  <a:schemeClr val="tx1"/>
-                </a:solidFill>
-              </a:rPr>
-              <a:t>text</a:t>
-            </a:r>
-            <a:r>
-              <a:rPr lang="de-DE" sz="1500" dirty="0">
-                <a:solidFill>
-                  <a:schemeClr val="tx1"/>
-                </a:solidFill>
-              </a:rPr>
-              <a:t>.</a:t>
-            </a:r>
-          </a:p>
-          <a:p>
-            <a:pPr marL="0" indent="0">
-              <a:buNone/>
-            </a:pPr>
-            <a:endParaRPr lang="de-DE" sz="1500" dirty="0">
-              <a:solidFill>
-                <a:schemeClr val="tx1"/>
-              </a:solidFill>
-            </a:endParaRPr>
+              <a:t>  - Leverage TTS (Text-to-Speech) to convert text into audio.</a:t>
+            </a:r>
           </a:p>
         </p:txBody>
       </p:sp>
@@ -8594,8 +8055,8 @@
         </p:nvSpPr>
         <p:spPr>
           <a:xfrm>
-            <a:off x="1371599" y="624110"/>
-            <a:ext cx="7162802" cy="1280890"/>
+            <a:off x="2590006" y="624110"/>
+            <a:ext cx="3963986" cy="909722"/>
           </a:xfrm>
         </p:spPr>
         <p:txBody>
@@ -8604,7 +8065,7 @@
           <a:p>
             <a:r>
               <a:rPr dirty="0"/>
-              <a:t>Phase 2: Generating Speech for Presentations</a:t>
+              <a:t>Project Timeline</a:t>
             </a:r>
           </a:p>
         </p:txBody>
@@ -8621,26 +8082,23 @@
         </p:nvSpPr>
         <p:spPr>
           <a:xfrm>
-            <a:off x="1371598" y="2246669"/>
-            <a:ext cx="6828505" cy="1863215"/>
+            <a:off x="1276007" y="1799304"/>
+            <a:ext cx="6591985" cy="1966452"/>
           </a:xfrm>
         </p:spPr>
         <p:txBody>
           <a:bodyPr>
-            <a:noAutofit/>
+            <a:normAutofit/>
           </a:bodyPr>
           <a:lstStyle/>
           <a:p>
-            <a:pPr marL="0" indent="0">
-              <a:buNone/>
-            </a:pPr>
             <a:r>
               <a:rPr sz="1500" dirty="0">
                 <a:solidFill>
                   <a:schemeClr val="tx1"/>
                 </a:solidFill>
               </a:rPr>
-              <a:t>- Approach:</a:t>
+              <a:t>Phases:</a:t>
             </a:r>
           </a:p>
           <a:p>
@@ -8653,7 +8111,7 @@
                   <a:schemeClr val="tx1"/>
                 </a:solidFill>
               </a:rPr>
-              <a:t>  - Use web scraping to gather relevant content.</a:t>
+              <a:t>Phase 1: Upload and interactive presentation features – ✅ (Completed).</a:t>
             </a:r>
           </a:p>
           <a:p>
@@ -8666,20 +8124,7 @@
                   <a:schemeClr val="tx1"/>
                 </a:solidFill>
               </a:rPr>
-              <a:t>  - Implement NLP algorithms to summarize and structure content.</a:t>
-            </a:r>
-          </a:p>
-          <a:p>
-            <a:pPr marL="0" indent="0">
-              <a:buNone/>
-            </a:pPr>
-            <a:r>
-              <a:rPr sz="1500" dirty="0">
-                <a:solidFill>
-                  <a:schemeClr val="tx1"/>
-                </a:solidFill>
-              </a:rPr>
-              <a:t>  - Leverage TTS (Text-to-Speech) to convert text into audio.</a:t>
+              <a:t> Phase 2: Speech generation using NLP and TTS – 🔄 (In progress).</a:t>
             </a:r>
           </a:p>
         </p:txBody>
@@ -8693,111 +8138,6 @@
 </file>
 
 <file path=ppt/slides/slide5.xml><?xml version="1.0" encoding="utf-8"?>
-<p:sld xmlns:a="http://schemas.openxmlformats.org/drawingml/2006/main" xmlns:r="http://schemas.openxmlformats.org/officeDocument/2006/relationships" xmlns:p="http://schemas.openxmlformats.org/presentationml/2006/main">
-  <p:cSld>
-    <p:spTree>
-      <p:nvGrpSpPr>
-        <p:cNvPr id="1" name=""/>
-        <p:cNvGrpSpPr/>
-        <p:nvPr/>
-      </p:nvGrpSpPr>
-      <p:grpSpPr>
-        <a:xfrm>
-          <a:off x="0" y="0"/>
-          <a:ext cx="0" cy="0"/>
-          <a:chOff x="0" y="0"/>
-          <a:chExt cx="0" cy="0"/>
-        </a:xfrm>
-      </p:grpSpPr>
-      <p:sp>
-        <p:nvSpPr>
-          <p:cNvPr id="2" name="Title 1"/>
-          <p:cNvSpPr>
-            <a:spLocks noGrp="1"/>
-          </p:cNvSpPr>
-          <p:nvPr>
-            <p:ph type="title"/>
-          </p:nvPr>
-        </p:nvSpPr>
-        <p:spPr>
-          <a:xfrm>
-            <a:off x="2590006" y="624110"/>
-            <a:ext cx="3963986" cy="909722"/>
-          </a:xfrm>
-        </p:spPr>
-        <p:txBody>
-          <a:bodyPr/>
-          <a:lstStyle/>
-          <a:p>
-            <a:r>
-              <a:rPr dirty="0"/>
-              <a:t>Project Timeline</a:t>
-            </a:r>
-          </a:p>
-        </p:txBody>
-      </p:sp>
-      <p:sp>
-        <p:nvSpPr>
-          <p:cNvPr id="3" name="Content Placeholder 2"/>
-          <p:cNvSpPr>
-            <a:spLocks noGrp="1"/>
-          </p:cNvSpPr>
-          <p:nvPr>
-            <p:ph idx="1"/>
-          </p:nvPr>
-        </p:nvSpPr>
-        <p:spPr>
-          <a:xfrm>
-            <a:off x="1276007" y="1799304"/>
-            <a:ext cx="6591985" cy="1966452"/>
-          </a:xfrm>
-        </p:spPr>
-        <p:txBody>
-          <a:bodyPr>
-            <a:normAutofit/>
-          </a:bodyPr>
-          <a:lstStyle/>
-          <a:p>
-            <a:r>
-              <a:rPr sz="1500" dirty="0">
-                <a:solidFill>
-                  <a:schemeClr val="tx1"/>
-                </a:solidFill>
-              </a:rPr>
-              <a:t>Phases:</a:t>
-            </a:r>
-          </a:p>
-          <a:p>
-            <a:r>
-              <a:rPr sz="1500" dirty="0">
-                <a:solidFill>
-                  <a:schemeClr val="tx1"/>
-                </a:solidFill>
-              </a:rPr>
-              <a:t>Phase 1: Upload and interactive presentation features – ✅ (Completed).</a:t>
-            </a:r>
-          </a:p>
-          <a:p>
-            <a:r>
-              <a:rPr sz="1500" dirty="0">
-                <a:solidFill>
-                  <a:schemeClr val="tx1"/>
-                </a:solidFill>
-              </a:rPr>
-              <a:t> Phase 2: Speech generation using NLP and TTS – 🔄 (In progress).</a:t>
-            </a:r>
-          </a:p>
-        </p:txBody>
-      </p:sp>
-    </p:spTree>
-  </p:cSld>
-  <p:clrMapOvr>
-    <a:masterClrMapping/>
-  </p:clrMapOvr>
-</p:sld>
-</file>
-
-<file path=ppt/slides/slide6.xml><?xml version="1.0" encoding="utf-8"?>
 <p:sld xmlns:a="http://schemas.openxmlformats.org/drawingml/2006/main" xmlns:r="http://schemas.openxmlformats.org/officeDocument/2006/relationships" xmlns:p="http://schemas.openxmlformats.org/presentationml/2006/main">
   <p:cSld>
     <p:spTree>
